--- a/lessons/lesson-7/07-evaluating-model-fit_redux.pptx
+++ b/lessons/lesson-7/07-evaluating-model-fit_redux.pptx
@@ -17787,16 +17787,7 @@
                 <a:cs typeface="Arial" charset="0"/>
                 <a:sym typeface="Georgia"/>
               </a:rPr>
-              <a:t> notebook</a:t>
-            </a:r>
-            <a:r>
-              <a:rPr lang="en-US" sz="2800" dirty="0" smtClean="0">
-                <a:latin typeface="Arial" charset="0"/>
-                <a:ea typeface="Arial" charset="0"/>
-                <a:cs typeface="Arial" charset="0"/>
-                <a:sym typeface="Georgia"/>
-              </a:rPr>
-              <a:t>!</a:t>
+              <a:t> notebook!</a:t>
             </a:r>
           </a:p>
           <a:p>
@@ -18555,8 +18546,22 @@
               <a:buChar char="•"/>
             </a:pPr>
             <a:r>
+              <a:rPr lang="en-US" sz="2000" dirty="0" smtClean="0"/>
+              <a:t>Step 4: set your criteria</a:t>
+            </a:r>
+          </a:p>
+          <a:p>
+            <a:pPr marL="1003300" lvl="1" indent="-342900">
+              <a:buFont typeface="Arial" charset="0"/>
+              <a:buChar char="•"/>
+            </a:pPr>
+            <a:r>
+              <a:rPr lang="en-US" sz="2000" dirty="0" smtClean="0"/>
+              <a:t>For loop or “while” loop until </a:t>
+            </a:r>
+            <a:r>
               <a:rPr lang="en-US" sz="2000" smtClean="0"/>
-              <a:t>Step 4: set your criteria</a:t>
+              <a:t>you’ve optimized!</a:t>
             </a:r>
             <a:r>
               <a:rPr lang="en-US" sz="2000" dirty="0" smtClean="0"/>
@@ -21798,16 +21803,7 @@
                 <a:cs typeface="Arial" charset="0"/>
                 <a:sym typeface="Oswald"/>
               </a:rPr>
-              <a:t>Let’s </a:t>
-            </a:r>
-            <a:r>
-              <a:rPr lang="en-US" sz="3200" b="1" dirty="0" smtClean="0">
-                <a:latin typeface="Arial" charset="0"/>
-                <a:ea typeface="Arial" charset="0"/>
-                <a:cs typeface="Arial" charset="0"/>
-                <a:sym typeface="Oswald"/>
-              </a:rPr>
-              <a:t>Code our own </a:t>
+              <a:t>Let’s Code our own </a:t>
             </a:r>
             <a:r>
               <a:rPr lang="en-US" sz="3200" b="1" dirty="0">
@@ -21896,16 +21892,7 @@
                 <a:cs typeface="Arial" charset="0"/>
                 <a:sym typeface="Georgia"/>
               </a:rPr>
-              <a:t> notebook</a:t>
-            </a:r>
-            <a:r>
-              <a:rPr lang="en-US" sz="2800" dirty="0" smtClean="0">
-                <a:latin typeface="Arial" charset="0"/>
-                <a:ea typeface="Arial" charset="0"/>
-                <a:cs typeface="Arial" charset="0"/>
-                <a:sym typeface="Georgia"/>
-              </a:rPr>
-              <a:t>!</a:t>
+              <a:t> notebook!</a:t>
             </a:r>
           </a:p>
           <a:p>
